--- a/演讲.pptx
+++ b/演讲.pptx
@@ -257,7 +257,7 @@
           <a:p>
             <a:fld id="{BA05014A-BDC5-4345-998B-2EDA94B21FF0}" type="datetimeFigureOut">
               <a:rPr lang="zh-CN" altLang="en-US" smtClean="0"/>
-              <a:t>2022/3/25</a:t>
+              <a:t>2022/3/26</a:t>
             </a:fld>
             <a:endParaRPr lang="zh-CN" altLang="en-US"/>
           </a:p>
@@ -748,7 +748,7 @@
           <a:p>
             <a:fld id="{D997B5FA-0921-464F-AAE1-844C04324D75}" type="datetimeFigureOut">
               <a:rPr lang="zh-CN" altLang="en-US" smtClean="0"/>
-              <a:t>2022/3/25</a:t>
+              <a:t>2022/3/26</a:t>
             </a:fld>
             <a:endParaRPr lang="zh-CN" altLang="en-US"/>
           </a:p>
@@ -916,7 +916,7 @@
           <a:p>
             <a:fld id="{D997B5FA-0921-464F-AAE1-844C04324D75}" type="datetimeFigureOut">
               <a:rPr lang="zh-CN" altLang="en-US" smtClean="0"/>
-              <a:t>2022/3/25</a:t>
+              <a:t>2022/3/26</a:t>
             </a:fld>
             <a:endParaRPr lang="zh-CN" altLang="en-US"/>
           </a:p>
@@ -1094,7 +1094,7 @@
           <a:p>
             <a:fld id="{D997B5FA-0921-464F-AAE1-844C04324D75}" type="datetimeFigureOut">
               <a:rPr lang="zh-CN" altLang="en-US" smtClean="0"/>
-              <a:t>2022/3/25</a:t>
+              <a:t>2022/3/26</a:t>
             </a:fld>
             <a:endParaRPr lang="zh-CN" altLang="en-US"/>
           </a:p>
@@ -2500,7 +2500,7 @@
           <a:p>
             <a:fld id="{D997B5FA-0921-464F-AAE1-844C04324D75}" type="datetimeFigureOut">
               <a:rPr lang="zh-CN" altLang="en-US" smtClean="0"/>
-              <a:t>2022/3/25</a:t>
+              <a:t>2022/3/26</a:t>
             </a:fld>
             <a:endParaRPr lang="zh-CN" altLang="en-US"/>
           </a:p>
@@ -2617,7 +2617,7 @@
           <a:p>
             <a:fld id="{D997B5FA-0921-464F-AAE1-844C04324D75}" type="datetimeFigureOut">
               <a:rPr lang="zh-CN" altLang="en-US" smtClean="0"/>
-              <a:t>2022/3/25</a:t>
+              <a:t>2022/3/26</a:t>
             </a:fld>
             <a:endParaRPr lang="zh-CN" altLang="en-US"/>
           </a:p>
@@ -2712,7 +2712,7 @@
           <a:p>
             <a:fld id="{D997B5FA-0921-464F-AAE1-844C04324D75}" type="datetimeFigureOut">
               <a:rPr lang="zh-CN" altLang="en-US" smtClean="0"/>
-              <a:t>2022/3/25</a:t>
+              <a:t>2022/3/26</a:t>
             </a:fld>
             <a:endParaRPr lang="zh-CN" altLang="en-US"/>
           </a:p>
@@ -2987,7 +2987,7 @@
           <a:p>
             <a:fld id="{D997B5FA-0921-464F-AAE1-844C04324D75}" type="datetimeFigureOut">
               <a:rPr lang="zh-CN" altLang="en-US" smtClean="0"/>
-              <a:t>2022/3/25</a:t>
+              <a:t>2022/3/26</a:t>
             </a:fld>
             <a:endParaRPr lang="zh-CN" altLang="en-US"/>
           </a:p>
@@ -3198,7 +3198,7 @@
           <a:p>
             <a:fld id="{D997B5FA-0921-464F-AAE1-844C04324D75}" type="datetimeFigureOut">
               <a:rPr lang="zh-CN" altLang="en-US" smtClean="0"/>
-              <a:t>2022/3/25</a:t>
+              <a:t>2022/3/26</a:t>
             </a:fld>
             <a:endParaRPr lang="zh-CN" altLang="en-US"/>
           </a:p>
@@ -3618,8 +3618,8 @@
         </p:nvSpPr>
         <p:spPr>
           <a:xfrm>
-            <a:off x="2987224" y="1859340"/>
-            <a:ext cx="6558206" cy="1569660"/>
+            <a:off x="2661013" y="1859340"/>
+            <a:ext cx="7210628" cy="1569660"/>
           </a:xfrm>
           <a:prstGeom prst="rect">
             <a:avLst/>
@@ -3641,7 +3641,7 @@
                 <a:latin typeface="方正清刻本悦宋简体" panose="02000000000000000000" pitchFamily="2" charset="-122"/>
                 <a:ea typeface="方正清刻本悦宋简体" panose="02000000000000000000" pitchFamily="2" charset="-122"/>
               </a:rPr>
-              <a:t>MSQL </a:t>
+              <a:t>MySQL </a:t>
             </a:r>
             <a:r>
               <a:rPr lang="zh-CN" altLang="en-US" sz="9600" dirty="0">
@@ -6388,7 +6388,7 @@
 </file>
 
 <file path=ppt/slides/slide15.xml><?xml version="1.0" encoding="utf-8"?>
-<p:sld xmlns:a="http://schemas.openxmlformats.org/drawingml/2006/main" xmlns:r="http://schemas.openxmlformats.org/officeDocument/2006/relationships" xmlns:p="http://schemas.openxmlformats.org/presentationml/2006/main">
+<p:sld xmlns:a="http://schemas.openxmlformats.org/drawingml/2006/main" xmlns:r="http://schemas.openxmlformats.org/officeDocument/2006/relationships" xmlns:p="http://schemas.openxmlformats.org/presentationml/2006/main" show="0">
   <p:cSld>
     <p:spTree>
       <p:nvGrpSpPr>
@@ -9969,55 +9969,6 @@
       </p:sp>
       <p:sp>
         <p:nvSpPr>
-          <p:cNvPr id="43" name="文本框 42">
-            <a:extLst>
-              <a:ext uri="{FF2B5EF4-FFF2-40B4-BE49-F238E27FC236}">
-                <a16:creationId xmlns:a16="http://schemas.microsoft.com/office/drawing/2014/main" id="{6EAC6069-0B36-4777-A76D-1809C3499BCA}"/>
-              </a:ext>
-            </a:extLst>
-          </p:cNvPr>
-          <p:cNvSpPr txBox="1"/>
-          <p:nvPr/>
-        </p:nvSpPr>
-        <p:spPr>
-          <a:xfrm>
-            <a:off x="2339641" y="34172"/>
-            <a:ext cx="2339102" cy="769441"/>
-          </a:xfrm>
-          <a:prstGeom prst="rect">
-            <a:avLst/>
-          </a:prstGeom>
-          <a:noFill/>
-        </p:spPr>
-        <p:txBody>
-          <a:bodyPr wrap="square">
-            <a:spAutoFit/>
-          </a:bodyPr>
-          <a:lstStyle/>
-          <a:p>
-            <a:pPr algn="l"/>
-            <a:r>
-              <a:rPr lang="en-US" altLang="zh-CN" sz="4400" dirty="0">
-                <a:solidFill>
-                  <a:srgbClr val="92A3B8"/>
-                </a:solidFill>
-                <a:latin typeface="Century Gothic" panose="020B0502020202020204" pitchFamily="34" charset="0"/>
-                <a:cs typeface="DokChampa" panose="020B0604020202020204" pitchFamily="34" charset="-34"/>
-              </a:rPr>
-              <a:t>PART 04</a:t>
-            </a:r>
-            <a:endParaRPr lang="zh-CN" altLang="en-US" sz="4400" dirty="0">
-              <a:solidFill>
-                <a:srgbClr val="92A3B8"/>
-              </a:solidFill>
-              <a:latin typeface="Century Gothic" panose="020B0502020202020204" pitchFamily="34" charset="0"/>
-              <a:cs typeface="DokChampa" panose="020B0604020202020204" pitchFamily="34" charset="-34"/>
-            </a:endParaRPr>
-          </a:p>
-        </p:txBody>
-      </p:sp>
-      <p:sp>
-        <p:nvSpPr>
           <p:cNvPr id="2" name="文本框 1">
             <a:extLst>
               <a:ext uri="{FF2B5EF4-FFF2-40B4-BE49-F238E27FC236}">
@@ -10278,13 +10229,13 @@
   <p:clrMapOvr>
     <a:masterClrMapping/>
   </p:clrMapOvr>
-  <mc:AlternateContent xmlns:mc="http://schemas.openxmlformats.org/markup-compatibility/2006" xmlns:p14="http://schemas.microsoft.com/office/powerpoint/2010/main">
-    <mc:Choice Requires="p14">
+  <mc:AlternateContent xmlns:mc="http://schemas.openxmlformats.org/markup-compatibility/2006">
+    <mc:Choice xmlns:p14="http://schemas.microsoft.com/office/powerpoint/2010/main" Requires="p14">
       <p:transition spd="slow" p14:dur="1500">
         <p:random/>
       </p:transition>
     </mc:Choice>
-    <mc:Fallback xmlns="">
+    <mc:Fallback>
       <p:transition spd="slow">
         <p:random/>
       </p:transition>
@@ -10324,7 +10275,7 @@
         </p:nvSpPr>
         <p:spPr>
           <a:xfrm>
-            <a:off x="3603811" y="295836"/>
+            <a:off x="4383741" y="295836"/>
             <a:ext cx="3775393" cy="707886"/>
           </a:xfrm>
           <a:prstGeom prst="rect">
@@ -10359,7 +10310,7 @@
         </p:nvSpPr>
         <p:spPr>
           <a:xfrm>
-            <a:off x="1712259" y="1003722"/>
+            <a:off x="2280601" y="1003722"/>
             <a:ext cx="7981672" cy="584775"/>
           </a:xfrm>
           <a:prstGeom prst="rect">
@@ -10486,6 +10437,55 @@
               <a:t>PROPAGATION_NESTED</a:t>
             </a:r>
             <a:endParaRPr lang="zh-CN" altLang="en-US" sz="2800" dirty="0"/>
+          </a:p>
+        </p:txBody>
+      </p:sp>
+      <p:sp>
+        <p:nvSpPr>
+          <p:cNvPr id="7" name="文本框 6">
+            <a:extLst>
+              <a:ext uri="{FF2B5EF4-FFF2-40B4-BE49-F238E27FC236}">
+                <a16:creationId xmlns:a16="http://schemas.microsoft.com/office/drawing/2014/main" id="{19C1746F-8386-47E9-ACD2-5EFB5EB1112E}"/>
+              </a:ext>
+            </a:extLst>
+          </p:cNvPr>
+          <p:cNvSpPr txBox="1"/>
+          <p:nvPr/>
+        </p:nvSpPr>
+        <p:spPr>
+          <a:xfrm>
+            <a:off x="2221413" y="-119662"/>
+            <a:ext cx="2162328" cy="707886"/>
+          </a:xfrm>
+          <a:prstGeom prst="rect">
+            <a:avLst/>
+          </a:prstGeom>
+          <a:noFill/>
+        </p:spPr>
+        <p:txBody>
+          <a:bodyPr wrap="square">
+            <a:spAutoFit/>
+          </a:bodyPr>
+          <a:lstStyle/>
+          <a:p>
+            <a:pPr algn="l"/>
+            <a:r>
+              <a:rPr lang="en-US" altLang="zh-CN" sz="4000" dirty="0">
+                <a:solidFill>
+                  <a:srgbClr val="92A3B8"/>
+                </a:solidFill>
+                <a:latin typeface="Century Gothic" panose="020B0502020202020204" pitchFamily="34" charset="0"/>
+                <a:cs typeface="DokChampa" panose="020B0604020202020204" pitchFamily="34" charset="-34"/>
+              </a:rPr>
+              <a:t>PART 04</a:t>
+            </a:r>
+            <a:endParaRPr lang="zh-CN" altLang="en-US" sz="4000" dirty="0">
+              <a:solidFill>
+                <a:srgbClr val="92A3B8"/>
+              </a:solidFill>
+              <a:latin typeface="Century Gothic" panose="020B0502020202020204" pitchFamily="34" charset="0"/>
+              <a:cs typeface="DokChampa" panose="020B0604020202020204" pitchFamily="34" charset="-34"/>
+            </a:endParaRPr>
           </a:p>
         </p:txBody>
       </p:sp>
@@ -11897,8 +11897,8 @@
         </p:nvSpPr>
         <p:spPr>
           <a:xfrm>
-            <a:off x="1372191" y="3417035"/>
-            <a:ext cx="10335715" cy="923330"/>
+            <a:off x="1372191" y="2927877"/>
+            <a:ext cx="10335715" cy="1569660"/>
           </a:xfrm>
           <a:prstGeom prst="rect">
             <a:avLst/>
@@ -11912,76 +11912,40 @@
           <a:lstStyle/>
           <a:p>
             <a:r>
-              <a:rPr lang="zh-CN" altLang="en-US" b="1" dirty="0"/>
+              <a:rPr lang="zh-CN" altLang="en-US" sz="2400" b="1" dirty="0"/>
               <a:t>事务可以认为是</a:t>
             </a:r>
             <a:r>
-              <a:rPr lang="en-US" altLang="zh-CN" b="1" dirty="0"/>
+              <a:rPr lang="en-US" altLang="zh-CN" sz="2400" b="1" dirty="0"/>
               <a:t>SQL</a:t>
             </a:r>
             <a:r>
-              <a:rPr lang="zh-CN" altLang="en-US" b="1" dirty="0"/>
+              <a:rPr lang="zh-CN" altLang="en-US" sz="2400" b="1" dirty="0"/>
               <a:t>语句处理的最小单元，具有一定的原子性，是由一条或者多条</a:t>
             </a:r>
             <a:r>
-              <a:rPr lang="en-US" altLang="zh-CN" b="1" dirty="0"/>
+              <a:rPr lang="en-US" altLang="zh-CN" sz="2400" b="1" dirty="0"/>
               <a:t>SQL</a:t>
             </a:r>
             <a:r>
-              <a:rPr lang="zh-CN" altLang="en-US" b="1" dirty="0"/>
+              <a:rPr lang="zh-CN" altLang="en-US" sz="2400" b="1" dirty="0"/>
               <a:t>语句组成，事务执行完成，那么所有的</a:t>
             </a:r>
             <a:r>
-              <a:rPr lang="en-US" altLang="zh-CN" b="1" dirty="0"/>
+              <a:rPr lang="en-US" altLang="zh-CN" sz="2400" b="1" dirty="0"/>
               <a:t>SQL</a:t>
             </a:r>
             <a:r>
-              <a:rPr lang="zh-CN" altLang="en-US" b="1" dirty="0"/>
+              <a:rPr lang="zh-CN" altLang="en-US" sz="2400" b="1" dirty="0"/>
               <a:t>语句全部执行，都要执行成功。一旦出现任何一个</a:t>
             </a:r>
             <a:r>
-              <a:rPr lang="en-US" altLang="zh-CN" b="1" dirty="0"/>
+              <a:rPr lang="en-US" altLang="zh-CN" sz="2400" b="1" dirty="0"/>
               <a:t>SQL</a:t>
             </a:r>
             <a:r>
-              <a:rPr lang="zh-CN" altLang="en-US" b="1" dirty="0"/>
+              <a:rPr lang="zh-CN" altLang="en-US" sz="2400" b="1" dirty="0"/>
               <a:t>语句异常，回到事务执行之前，事务执行失败。</a:t>
-            </a:r>
-          </a:p>
-        </p:txBody>
-      </p:sp>
-      <p:sp>
-        <p:nvSpPr>
-          <p:cNvPr id="5" name="文本框 4">
-            <a:extLst>
-              <a:ext uri="{FF2B5EF4-FFF2-40B4-BE49-F238E27FC236}">
-                <a16:creationId xmlns:a16="http://schemas.microsoft.com/office/drawing/2014/main" id="{0EBCCC91-6241-444F-AFED-47CC16EA0BDB}"/>
-              </a:ext>
-            </a:extLst>
-          </p:cNvPr>
-          <p:cNvSpPr txBox="1"/>
-          <p:nvPr/>
-        </p:nvSpPr>
-        <p:spPr>
-          <a:xfrm>
-            <a:off x="1372191" y="4401920"/>
-            <a:ext cx="5814077" cy="369332"/>
-          </a:xfrm>
-          <a:prstGeom prst="rect">
-            <a:avLst/>
-          </a:prstGeom>
-          <a:noFill/>
-        </p:spPr>
-        <p:txBody>
-          <a:bodyPr wrap="square" rtlCol="0">
-            <a:spAutoFit/>
-          </a:bodyPr>
-          <a:lstStyle/>
-          <a:p>
-            <a:pPr algn="ctr"/>
-            <a:r>
-              <a:rPr lang="zh-CN" altLang="en-US" b="1" dirty="0"/>
-              <a:t>事务可以用：编程式、声明式、注解式 来表示。</a:t>
             </a:r>
           </a:p>
         </p:txBody>
@@ -12000,8 +11964,8 @@
         </p:nvSpPr>
         <p:spPr>
           <a:xfrm>
-            <a:off x="1519052" y="4832807"/>
-            <a:ext cx="5903725" cy="1200329"/>
+            <a:off x="1372191" y="4771252"/>
+            <a:ext cx="5903725" cy="1569660"/>
           </a:xfrm>
           <a:prstGeom prst="rect">
             <a:avLst/>
@@ -12015,64 +11979,64 @@
           <a:lstStyle/>
           <a:p>
             <a:r>
-              <a:rPr lang="zh-CN" altLang="en-US" b="1" dirty="0"/>
-              <a:t>事务可分为</a:t>
+              <a:rPr lang="zh-CN" altLang="en-US" sz="2400" b="1" dirty="0"/>
+              <a:t>事务相关命令可分为</a:t>
             </a:r>
-            <a:endParaRPr lang="en-US" altLang="zh-CN" b="1" dirty="0"/>
+            <a:endParaRPr lang="en-US" altLang="zh-CN" sz="2400" b="1" dirty="0"/>
           </a:p>
           <a:p>
             <a:r>
-              <a:rPr lang="en-US" altLang="zh-CN" b="1" dirty="0"/>
+              <a:rPr lang="en-US" altLang="zh-CN" sz="2400" b="1" dirty="0"/>
               <a:t>1</a:t>
             </a:r>
             <a:r>
-              <a:rPr lang="zh-CN" altLang="en-US" b="1" dirty="0"/>
+              <a:rPr lang="zh-CN" altLang="en-US" sz="2400" b="1" dirty="0"/>
               <a:t>、开启事务（</a:t>
             </a:r>
             <a:r>
-              <a:rPr lang="en-US" altLang="zh-CN" b="1" dirty="0"/>
+              <a:rPr lang="en-US" altLang="zh-CN" sz="2400" b="1" dirty="0"/>
               <a:t> start transaction</a:t>
             </a:r>
             <a:r>
-              <a:rPr lang="zh-CN" altLang="en-US" b="1" dirty="0"/>
+              <a:rPr lang="zh-CN" altLang="en-US" sz="2400" b="1" dirty="0"/>
               <a:t>）</a:t>
             </a:r>
-            <a:endParaRPr lang="en-US" altLang="zh-CN" b="1" dirty="0"/>
+            <a:endParaRPr lang="en-US" altLang="zh-CN" sz="2400" b="1" dirty="0"/>
           </a:p>
           <a:p>
             <a:r>
-              <a:rPr lang="en-US" altLang="zh-CN" b="1" dirty="0"/>
+              <a:rPr lang="en-US" altLang="zh-CN" sz="2400" b="1" dirty="0"/>
               <a:t>2</a:t>
             </a:r>
             <a:r>
-              <a:rPr lang="zh-CN" altLang="en-US" b="1" dirty="0"/>
+              <a:rPr lang="zh-CN" altLang="en-US" sz="2400" b="1" dirty="0"/>
               <a:t>、提交事务（</a:t>
             </a:r>
             <a:r>
-              <a:rPr lang="en-US" altLang="zh-CN" b="1" dirty="0"/>
+              <a:rPr lang="en-US" altLang="zh-CN" sz="2400" b="1" dirty="0"/>
               <a:t>commit</a:t>
             </a:r>
             <a:r>
-              <a:rPr lang="zh-CN" altLang="en-US" b="1" dirty="0"/>
+              <a:rPr lang="zh-CN" altLang="en-US" sz="2400" b="1" dirty="0"/>
               <a:t>）</a:t>
             </a:r>
-            <a:endParaRPr lang="en-US" altLang="zh-CN" b="1" dirty="0"/>
+            <a:endParaRPr lang="en-US" altLang="zh-CN" sz="2400" b="1" dirty="0"/>
           </a:p>
           <a:p>
             <a:r>
-              <a:rPr lang="en-US" altLang="zh-CN" b="1" dirty="0"/>
+              <a:rPr lang="en-US" altLang="zh-CN" sz="2400" b="1" dirty="0"/>
               <a:t>3</a:t>
             </a:r>
             <a:r>
-              <a:rPr lang="zh-CN" altLang="en-US" b="1" dirty="0"/>
+              <a:rPr lang="zh-CN" altLang="en-US" sz="2400" b="1" dirty="0"/>
               <a:t>、回滚事务（</a:t>
             </a:r>
             <a:r>
-              <a:rPr lang="en-US" altLang="zh-CN" b="1" dirty="0"/>
+              <a:rPr lang="en-US" altLang="zh-CN" sz="2400" b="1" dirty="0"/>
               <a:t> rollback </a:t>
             </a:r>
             <a:r>
-              <a:rPr lang="zh-CN" altLang="en-US" b="1" dirty="0"/>
+              <a:rPr lang="zh-CN" altLang="en-US" sz="2400" b="1" dirty="0"/>
               <a:t>）</a:t>
             </a:r>
           </a:p>
@@ -12174,7 +12138,7 @@
                             </p:stCondLst>
                             <p:childTnLst>
                               <p:par>
-                                <p:cTn id="10" presetID="14" presetClass="entr" presetSubtype="10" fill="hold" grpId="0" nodeType="clickEffect">
+                                <p:cTn id="10" presetID="53" presetClass="entr" presetSubtype="16" fill="hold" grpId="0" nodeType="clickEffect">
                                   <p:stCondLst>
                                     <p:cond delay="0"/>
                                   </p:stCondLst>
@@ -12182,59 +12146,6 @@
                                     <p:set>
                                       <p:cBhvr>
                                         <p:cTn id="11" dur="1" fill="hold">
-                                          <p:stCondLst>
-                                            <p:cond delay="0"/>
-                                          </p:stCondLst>
-                                        </p:cTn>
-                                        <p:tgtEl>
-                                          <p:spTgt spid="5"/>
-                                        </p:tgtEl>
-                                        <p:attrNameLst>
-                                          <p:attrName>style.visibility</p:attrName>
-                                        </p:attrNameLst>
-                                      </p:cBhvr>
-                                      <p:to>
-                                        <p:strVal val="visible"/>
-                                      </p:to>
-                                    </p:set>
-                                    <p:animEffect transition="in" filter="randombar(horizontal)">
-                                      <p:cBhvr>
-                                        <p:cTn id="12" dur="500"/>
-                                        <p:tgtEl>
-                                          <p:spTgt spid="5"/>
-                                        </p:tgtEl>
-                                      </p:cBhvr>
-                                    </p:animEffect>
-                                  </p:childTnLst>
-                                </p:cTn>
-                              </p:par>
-                            </p:childTnLst>
-                          </p:cTn>
-                        </p:par>
-                      </p:childTnLst>
-                    </p:cTn>
-                  </p:par>
-                  <p:par>
-                    <p:cTn id="13" fill="hold">
-                      <p:stCondLst>
-                        <p:cond delay="indefinite"/>
-                      </p:stCondLst>
-                      <p:childTnLst>
-                        <p:par>
-                          <p:cTn id="14" fill="hold">
-                            <p:stCondLst>
-                              <p:cond delay="0"/>
-                            </p:stCondLst>
-                            <p:childTnLst>
-                              <p:par>
-                                <p:cTn id="15" presetID="53" presetClass="entr" presetSubtype="16" fill="hold" grpId="0" nodeType="clickEffect">
-                                  <p:stCondLst>
-                                    <p:cond delay="0"/>
-                                  </p:stCondLst>
-                                  <p:childTnLst>
-                                    <p:set>
-                                      <p:cBhvr>
-                                        <p:cTn id="16" dur="1" fill="hold">
                                           <p:stCondLst>
                                             <p:cond delay="0"/>
                                           </p:stCondLst>
@@ -12252,7 +12163,7 @@
                                     </p:set>
                                     <p:anim calcmode="lin" valueType="num">
                                       <p:cBhvr>
-                                        <p:cTn id="17" dur="500" fill="hold"/>
+                                        <p:cTn id="12" dur="500" fill="hold"/>
                                         <p:tgtEl>
                                           <p:spTgt spid="6"/>
                                         </p:tgtEl>
@@ -12275,7 +12186,7 @@
                                     </p:anim>
                                     <p:anim calcmode="lin" valueType="num">
                                       <p:cBhvr>
-                                        <p:cTn id="18" dur="500" fill="hold"/>
+                                        <p:cTn id="13" dur="500" fill="hold"/>
                                         <p:tgtEl>
                                           <p:spTgt spid="6"/>
                                         </p:tgtEl>
@@ -12298,7 +12209,7 @@
                                     </p:anim>
                                     <p:animEffect transition="in" filter="fade">
                                       <p:cBhvr>
-                                        <p:cTn id="19" dur="500"/>
+                                        <p:cTn id="14" dur="500"/>
                                         <p:tgtEl>
                                           <p:spTgt spid="6"/>
                                         </p:tgtEl>
@@ -12336,7 +12247,6 @@
     </p:tnLst>
     <p:bldLst>
       <p:bldP spid="2" grpId="0"/>
-      <p:bldP spid="5" grpId="0"/>
       <p:bldP spid="6" grpId="0"/>
     </p:bldLst>
   </p:timing>

--- a/演讲.pptx
+++ b/演讲.pptx
@@ -274,7 +274,7 @@
           <a:p>
             <a:fld id="{BA05014A-BDC5-4345-998B-2EDA94B21FF0}" type="datetimeFigureOut">
               <a:rPr lang="zh-CN" altLang="en-US" smtClean="0"/>
-              <a:t>2022/3/30</a:t>
+              <a:t>2022/3/31</a:t>
             </a:fld>
             <a:endParaRPr lang="zh-CN" altLang="en-US"/>
           </a:p>
@@ -451,7 +451,7 @@
           <a:p>
             <a:fld id="{26100055-D8C1-4C39-A105-F712CB1F8E5C}" type="datetimeFigureOut">
               <a:rPr lang="zh-CN" altLang="en-US" smtClean="0"/>
-              <a:t>2022/3/30</a:t>
+              <a:t>2022/3/31</a:t>
             </a:fld>
             <a:endParaRPr lang="zh-CN" altLang="en-US"/>
           </a:p>
@@ -847,6 +847,297 @@
           <a:lstStyle/>
           <a:p>
             <a:r>
+              <a:rPr lang="zh-CN" altLang="en-US" dirty="0"/>
+              <a:t>事例：程序员拿着信用卡去享受生活（卡里当然是只有</a:t>
+            </a:r>
+            <a:r>
+              <a:rPr lang="en-US" altLang="zh-CN" dirty="0"/>
+              <a:t>3.6</a:t>
+            </a:r>
+            <a:r>
+              <a:rPr lang="zh-CN" altLang="en-US" dirty="0"/>
+              <a:t>万），当他埋单时（程序员事务开启），收费系统事先检测到他的卡里有</a:t>
+            </a:r>
+            <a:r>
+              <a:rPr lang="en-US" altLang="zh-CN" dirty="0"/>
+              <a:t>3.6</a:t>
+            </a:r>
+            <a:r>
+              <a:rPr lang="zh-CN" altLang="en-US" dirty="0"/>
+              <a:t>万，就在这个时候！！程序员的妻子要把钱全部转出充当家用，并提交。当收费系统准备扣款时，再检测卡里的金额，发现已经没钱了（第二次检测金额当然要等待妻子转出金额事务提交完）。程序员就会很郁闷，明明卡里是有钱的</a:t>
+            </a:r>
+            <a:r>
+              <a:rPr lang="en-US" altLang="zh-CN" dirty="0"/>
+              <a:t>…</a:t>
+            </a:r>
+            <a:r>
+              <a:rPr lang="zh-CN" altLang="en-US" dirty="0"/>
+              <a:t>分析：这就是读提交，若有事务对数据进行更新（</a:t>
+            </a:r>
+            <a:r>
+              <a:rPr lang="en-US" altLang="zh-CN" dirty="0"/>
+              <a:t>UPDATE</a:t>
+            </a:r>
+            <a:r>
+              <a:rPr lang="zh-CN" altLang="en-US" dirty="0"/>
+              <a:t>）操作时，读操作事务要等待这个更新操作事务提交后才能读取数据，可以解决脏读问题。但在这个事例中，出现了一个事务范围内两个相同的查询却返回了不同数据，这就是不可重复读。</a:t>
+            </a:r>
+          </a:p>
+          <a:p>
+            <a:r>
+              <a:rPr lang="en-US" altLang="zh-CN" dirty="0"/>
+              <a:t> </a:t>
+            </a:r>
+            <a:endParaRPr lang="zh-CN" altLang="en-US" dirty="0"/>
+          </a:p>
+        </p:txBody>
+      </p:sp>
+      <p:sp>
+        <p:nvSpPr>
+          <p:cNvPr id="4" name="灯片编号占位符 3"/>
+          <p:cNvSpPr>
+            <a:spLocks noGrp="1"/>
+          </p:cNvSpPr>
+          <p:nvPr>
+            <p:ph type="sldNum" sz="quarter" idx="5"/>
+          </p:nvPr>
+        </p:nvSpPr>
+        <p:spPr/>
+        <p:txBody>
+          <a:bodyPr/>
+          <a:lstStyle/>
+          <a:p>
+            <a:fld id="{F0643128-EF13-4FB5-B241-5B07803C2ACB}" type="slidenum">
+              <a:rPr lang="zh-CN" altLang="en-US" smtClean="0"/>
+              <a:t>12</a:t>
+            </a:fld>
+            <a:endParaRPr lang="zh-CN" altLang="en-US"/>
+          </a:p>
+        </p:txBody>
+      </p:sp>
+    </p:spTree>
+    <p:extLst>
+      <p:ext uri="{BB962C8B-B14F-4D97-AF65-F5344CB8AC3E}">
+        <p14:creationId xmlns:p14="http://schemas.microsoft.com/office/powerpoint/2010/main" val="1355764317"/>
+      </p:ext>
+    </p:extLst>
+  </p:cSld>
+  <p:clrMapOvr>
+    <a:masterClrMapping/>
+  </p:clrMapOvr>
+</p:notes>
+</file>
+
+<file path=ppt/notesSlides/notesSlide11.xml><?xml version="1.0" encoding="utf-8"?>
+<p:notes xmlns:a="http://schemas.openxmlformats.org/drawingml/2006/main" xmlns:r="http://schemas.openxmlformats.org/officeDocument/2006/relationships" xmlns:p="http://schemas.openxmlformats.org/presentationml/2006/main">
+  <p:cSld>
+    <p:spTree>
+      <p:nvGrpSpPr>
+        <p:cNvPr id="1" name=""/>
+        <p:cNvGrpSpPr/>
+        <p:nvPr/>
+      </p:nvGrpSpPr>
+      <p:grpSpPr>
+        <a:xfrm>
+          <a:off x="0" y="0"/>
+          <a:ext cx="0" cy="0"/>
+          <a:chOff x="0" y="0"/>
+          <a:chExt cx="0" cy="0"/>
+        </a:xfrm>
+      </p:grpSpPr>
+      <p:sp>
+        <p:nvSpPr>
+          <p:cNvPr id="2" name="幻灯片图像占位符 1"/>
+          <p:cNvSpPr>
+            <a:spLocks noGrp="1" noRot="1" noChangeAspect="1"/>
+          </p:cNvSpPr>
+          <p:nvPr>
+            <p:ph type="sldImg"/>
+          </p:nvPr>
+        </p:nvSpPr>
+        <p:spPr/>
+      </p:sp>
+      <p:sp>
+        <p:nvSpPr>
+          <p:cNvPr id="3" name="备注占位符 2"/>
+          <p:cNvSpPr>
+            <a:spLocks noGrp="1"/>
+          </p:cNvSpPr>
+          <p:nvPr>
+            <p:ph type="body" idx="1"/>
+          </p:nvPr>
+        </p:nvSpPr>
+        <p:spPr/>
+        <p:txBody>
+          <a:bodyPr/>
+          <a:lstStyle/>
+          <a:p>
+            <a:r>
+              <a:rPr lang="en-US" altLang="zh-CN" sz="1200" dirty="0"/>
+              <a:t>Repeatable </a:t>
+            </a:r>
+            <a:r>
+              <a:rPr lang="en-US" altLang="zh-CN" b="0" i="0" dirty="0" err="1">
+                <a:solidFill>
+                  <a:srgbClr val="333333"/>
+                </a:solidFill>
+                <a:effectLst/>
+                <a:latin typeface="Arial" panose="020B0604020202020204" pitchFamily="34" charset="0"/>
+              </a:rPr>
+              <a:t>rɪˈpiːtəbl</a:t>
+            </a:r>
+            <a:endParaRPr lang="en-US" altLang="zh-CN" b="0" i="0" dirty="0">
+              <a:solidFill>
+                <a:srgbClr val="333333"/>
+              </a:solidFill>
+              <a:effectLst/>
+              <a:latin typeface="Arial" panose="020B0604020202020204" pitchFamily="34" charset="0"/>
+            </a:endParaRPr>
+          </a:p>
+          <a:p>
+            <a:r>
+              <a:rPr lang="zh-CN" altLang="en-US" dirty="0"/>
+              <a:t>事例：程序员拿着信用卡去享受生活（卡里当然是只有</a:t>
+            </a:r>
+            <a:r>
+              <a:rPr lang="en-US" altLang="zh-CN" dirty="0"/>
+              <a:t>3.6</a:t>
+            </a:r>
+            <a:r>
+              <a:rPr lang="zh-CN" altLang="en-US" dirty="0"/>
+              <a:t>万），当他埋单时（事务开启，不允许其他事务的</a:t>
+            </a:r>
+            <a:r>
+              <a:rPr lang="en-US" altLang="zh-CN" dirty="0"/>
+              <a:t>UPDATE</a:t>
+            </a:r>
+            <a:r>
+              <a:rPr lang="zh-CN" altLang="en-US" dirty="0"/>
+              <a:t>修改操作），收费系统事先检测到他的卡里有</a:t>
+            </a:r>
+            <a:r>
+              <a:rPr lang="en-US" altLang="zh-CN" dirty="0"/>
+              <a:t>3.6</a:t>
+            </a:r>
+            <a:r>
+              <a:rPr lang="zh-CN" altLang="en-US" dirty="0"/>
+              <a:t>万。这个时候他的妻子不能转出金额了。接下来收费系统就可以扣款了。分析：重复读可以解决不可重复读问题。写到这里，应该明白的一点就是，不可重复读对应的是修改，即</a:t>
+            </a:r>
+            <a:r>
+              <a:rPr lang="en-US" altLang="zh-CN" dirty="0"/>
+              <a:t>UPDATE</a:t>
+            </a:r>
+            <a:r>
+              <a:rPr lang="zh-CN" altLang="en-US" dirty="0"/>
+              <a:t>操作。但是可能还会有幻读问题。因为幻读问题对应的是插入</a:t>
+            </a:r>
+            <a:r>
+              <a:rPr lang="en-US" altLang="zh-CN" dirty="0"/>
+              <a:t>INSERT</a:t>
+            </a:r>
+            <a:r>
+              <a:rPr lang="zh-CN" altLang="en-US" dirty="0"/>
+              <a:t>操作，而不是</a:t>
+            </a:r>
+            <a:r>
+              <a:rPr lang="en-US" altLang="zh-CN" dirty="0"/>
+              <a:t>UPDATE</a:t>
+            </a:r>
+            <a:r>
+              <a:rPr lang="zh-CN" altLang="en-US" dirty="0"/>
+              <a:t>操作。</a:t>
+            </a:r>
+          </a:p>
+          <a:p>
+            <a:r>
+              <a:rPr lang="en-US" altLang="zh-CN" dirty="0"/>
+              <a:t> </a:t>
+            </a:r>
+            <a:endParaRPr lang="zh-CN" altLang="en-US" dirty="0"/>
+          </a:p>
+        </p:txBody>
+      </p:sp>
+      <p:sp>
+        <p:nvSpPr>
+          <p:cNvPr id="4" name="灯片编号占位符 3"/>
+          <p:cNvSpPr>
+            <a:spLocks noGrp="1"/>
+          </p:cNvSpPr>
+          <p:nvPr>
+            <p:ph type="sldNum" sz="quarter" idx="5"/>
+          </p:nvPr>
+        </p:nvSpPr>
+        <p:spPr/>
+        <p:txBody>
+          <a:bodyPr/>
+          <a:lstStyle/>
+          <a:p>
+            <a:fld id="{F0643128-EF13-4FB5-B241-5B07803C2ACB}" type="slidenum">
+              <a:rPr lang="zh-CN" altLang="en-US" smtClean="0"/>
+              <a:t>13</a:t>
+            </a:fld>
+            <a:endParaRPr lang="zh-CN" altLang="en-US"/>
+          </a:p>
+        </p:txBody>
+      </p:sp>
+    </p:spTree>
+    <p:extLst>
+      <p:ext uri="{BB962C8B-B14F-4D97-AF65-F5344CB8AC3E}">
+        <p14:creationId xmlns:p14="http://schemas.microsoft.com/office/powerpoint/2010/main" val="3337790703"/>
+      </p:ext>
+    </p:extLst>
+  </p:cSld>
+  <p:clrMapOvr>
+    <a:masterClrMapping/>
+  </p:clrMapOvr>
+</p:notes>
+</file>
+
+<file path=ppt/notesSlides/notesSlide12.xml><?xml version="1.0" encoding="utf-8"?>
+<p:notes xmlns:a="http://schemas.openxmlformats.org/drawingml/2006/main" xmlns:r="http://schemas.openxmlformats.org/officeDocument/2006/relationships" xmlns:p="http://schemas.openxmlformats.org/presentationml/2006/main">
+  <p:cSld>
+    <p:spTree>
+      <p:nvGrpSpPr>
+        <p:cNvPr id="1" name=""/>
+        <p:cNvGrpSpPr/>
+        <p:nvPr/>
+      </p:nvGrpSpPr>
+      <p:grpSpPr>
+        <a:xfrm>
+          <a:off x="0" y="0"/>
+          <a:ext cx="0" cy="0"/>
+          <a:chOff x="0" y="0"/>
+          <a:chExt cx="0" cy="0"/>
+        </a:xfrm>
+      </p:grpSpPr>
+      <p:sp>
+        <p:nvSpPr>
+          <p:cNvPr id="2" name="幻灯片图像占位符 1"/>
+          <p:cNvSpPr>
+            <a:spLocks noGrp="1" noRot="1" noChangeAspect="1"/>
+          </p:cNvSpPr>
+          <p:nvPr>
+            <p:ph type="sldImg"/>
+          </p:nvPr>
+        </p:nvSpPr>
+        <p:spPr/>
+      </p:sp>
+      <p:sp>
+        <p:nvSpPr>
+          <p:cNvPr id="3" name="备注占位符 2"/>
+          <p:cNvSpPr>
+            <a:spLocks noGrp="1"/>
+          </p:cNvSpPr>
+          <p:nvPr>
+            <p:ph type="body" idx="1"/>
+          </p:nvPr>
+        </p:nvSpPr>
+        <p:spPr/>
+        <p:txBody>
+          <a:bodyPr/>
+          <a:lstStyle/>
+          <a:p>
+            <a:r>
               <a:rPr lang="en-US" altLang="zh-CN" dirty="0" err="1"/>
               <a:t>InnoDB</a:t>
             </a:r>
@@ -908,6 +1199,32 @@
               </a:rPr>
               <a:t>sɪˌriəˌlaɪzəbl</a:t>
             </a:r>
+            <a:endParaRPr lang="en-US" altLang="zh-CN" b="0" i="0">
+              <a:solidFill>
+                <a:srgbClr val="333333"/>
+              </a:solidFill>
+              <a:effectLst/>
+              <a:latin typeface="Arial" panose="020B0604020202020204" pitchFamily="34" charset="0"/>
+            </a:endParaRPr>
+          </a:p>
+          <a:p>
+            <a:pPr marL="0" marR="0" lvl="0" indent="0" algn="l" defTabSz="914400" rtl="0" eaLnBrk="1" fontAlgn="auto" latinLnBrk="0" hangingPunct="1">
+              <a:lnSpc>
+                <a:spcPct val="100000"/>
+              </a:lnSpc>
+              <a:spcBef>
+                <a:spcPts val="0"/>
+              </a:spcBef>
+              <a:spcAft>
+                <a:spcPts val="0"/>
+              </a:spcAft>
+              <a:buClrTx/>
+              <a:buSzTx/>
+              <a:buFontTx/>
+              <a:buNone/>
+              <a:tabLst/>
+              <a:defRPr/>
+            </a:pPr>
             <a:endParaRPr lang="ko-KR" altLang="en-US" sz="1200" b="1" dirty="0">
               <a:solidFill>
                 <a:schemeClr val="tx1">
@@ -919,7 +1236,33 @@
             </a:endParaRPr>
           </a:p>
           <a:p>
-            <a:endParaRPr lang="zh-CN" altLang="en-US" dirty="0"/>
+            <a:pPr algn="l"/>
+            <a:r>
+              <a:rPr lang="en-US" altLang="zh-CN" b="0" i="0" dirty="0">
+                <a:solidFill>
+                  <a:srgbClr val="4D4D4D"/>
+                </a:solidFill>
+                <a:effectLst/>
+                <a:latin typeface="-apple-system"/>
+              </a:rPr>
+              <a:t>Serializable </a:t>
+            </a:r>
+            <a:r>
+              <a:rPr lang="zh-CN" altLang="en-US" b="0" i="0" dirty="0">
+                <a:solidFill>
+                  <a:srgbClr val="4D4D4D"/>
+                </a:solidFill>
+                <a:effectLst/>
+                <a:latin typeface="-apple-system"/>
+              </a:rPr>
+              <a:t>是最高的事务隔离级别，在该级别下，事务串行化顺序执行，可以避免脏读、不可重复读与幻读。但是这种事务隔离级别效率低下，比较耗数据库性能，一般不使用。</a:t>
+            </a:r>
+          </a:p>
+          <a:p>
+            <a:br>
+              <a:rPr lang="zh-CN" altLang="en-US" dirty="0"/>
+            </a:br>
+            <a:endParaRPr lang="zh-CN" altLang="en-US" b="1" dirty="0"/>
           </a:p>
         </p:txBody>
       </p:sp>
@@ -959,7 +1302,7 @@
 </p:notes>
 </file>
 
-<file path=ppt/notesSlides/notesSlide11.xml><?xml version="1.0" encoding="utf-8"?>
+<file path=ppt/notesSlides/notesSlide13.xml><?xml version="1.0" encoding="utf-8"?>
 <p:notes xmlns:a="http://schemas.openxmlformats.org/drawingml/2006/main" xmlns:r="http://schemas.openxmlformats.org/officeDocument/2006/relationships" xmlns:p="http://schemas.openxmlformats.org/presentationml/2006/main">
   <p:cSld>
     <p:spTree>
@@ -2068,6 +2411,445 @@
               </a:rPr>
               <a:t>https://www.itqiankun.com/article/1564901308</a:t>
             </a:r>
+            <a:endParaRPr lang="en-US" altLang="zh-CN" b="0" i="0" u="none" strike="noStrike" dirty="0">
+              <a:solidFill>
+                <a:srgbClr val="4EA1DB"/>
+              </a:solidFill>
+              <a:effectLst/>
+              <a:latin typeface="-apple-system"/>
+            </a:endParaRPr>
+          </a:p>
+          <a:p>
+            <a:pPr algn="l"/>
+            <a:r>
+              <a:rPr lang="zh-CN" altLang="en-US" b="1" i="0" dirty="0">
+                <a:solidFill>
+                  <a:srgbClr val="000000"/>
+                </a:solidFill>
+                <a:effectLst/>
+                <a:latin typeface="PingFang SC"/>
+              </a:rPr>
+              <a:t>脏读：事务</a:t>
+            </a:r>
+            <a:r>
+              <a:rPr lang="en-US" altLang="zh-CN" b="1" i="0" dirty="0">
+                <a:solidFill>
+                  <a:srgbClr val="000000"/>
+                </a:solidFill>
+                <a:effectLst/>
+                <a:latin typeface="PingFang SC"/>
+              </a:rPr>
+              <a:t>A</a:t>
+            </a:r>
+            <a:r>
+              <a:rPr lang="zh-CN" altLang="en-US" b="1" i="0" dirty="0">
+                <a:solidFill>
+                  <a:srgbClr val="000000"/>
+                </a:solidFill>
+                <a:effectLst/>
+                <a:latin typeface="PingFang SC"/>
+              </a:rPr>
+              <a:t>读取了事务</a:t>
+            </a:r>
+            <a:r>
+              <a:rPr lang="en-US" altLang="zh-CN" b="1" i="0" dirty="0">
+                <a:solidFill>
+                  <a:srgbClr val="000000"/>
+                </a:solidFill>
+                <a:effectLst/>
+                <a:latin typeface="PingFang SC"/>
+              </a:rPr>
+              <a:t>B</a:t>
+            </a:r>
+            <a:r>
+              <a:rPr lang="zh-CN" altLang="en-US" b="1" i="0" dirty="0">
+                <a:solidFill>
+                  <a:srgbClr val="000000"/>
+                </a:solidFill>
+                <a:effectLst/>
+                <a:latin typeface="PingFang SC"/>
+              </a:rPr>
+              <a:t>更新的数据，然后</a:t>
+            </a:r>
+            <a:r>
+              <a:rPr lang="en-US" altLang="zh-CN" b="1" i="0" dirty="0">
+                <a:solidFill>
+                  <a:srgbClr val="000000"/>
+                </a:solidFill>
+                <a:effectLst/>
+                <a:latin typeface="PingFang SC"/>
+              </a:rPr>
+              <a:t>B</a:t>
+            </a:r>
+            <a:r>
+              <a:rPr lang="zh-CN" altLang="en-US" b="1" i="0" dirty="0">
+                <a:solidFill>
+                  <a:srgbClr val="000000"/>
+                </a:solidFill>
+                <a:effectLst/>
+                <a:latin typeface="PingFang SC"/>
+              </a:rPr>
+              <a:t>回滚操作，那么</a:t>
+            </a:r>
+            <a:r>
+              <a:rPr lang="en-US" altLang="zh-CN" b="1" i="0" dirty="0">
+                <a:solidFill>
+                  <a:srgbClr val="000000"/>
+                </a:solidFill>
+                <a:effectLst/>
+                <a:latin typeface="PingFang SC"/>
+              </a:rPr>
+              <a:t>A</a:t>
+            </a:r>
+            <a:r>
+              <a:rPr lang="zh-CN" altLang="en-US" b="1" i="0" dirty="0">
+                <a:solidFill>
+                  <a:srgbClr val="000000"/>
+                </a:solidFill>
+                <a:effectLst/>
+                <a:latin typeface="PingFang SC"/>
+              </a:rPr>
+              <a:t>读取到的数据是脏数据</a:t>
+            </a:r>
+            <a:endParaRPr lang="zh-CN" altLang="en-US" b="0" i="0" dirty="0">
+              <a:solidFill>
+                <a:srgbClr val="333333"/>
+              </a:solidFill>
+              <a:effectLst/>
+              <a:latin typeface="PingFang SC"/>
+            </a:endParaRPr>
+          </a:p>
+          <a:p>
+            <a:pPr algn="l"/>
+            <a:r>
+              <a:rPr lang="zh-CN" altLang="en-US" b="1" i="0" dirty="0">
+                <a:solidFill>
+                  <a:srgbClr val="000000"/>
+                </a:solidFill>
+                <a:effectLst/>
+                <a:latin typeface="PingFang SC"/>
+              </a:rPr>
+              <a:t>　　</a:t>
+            </a:r>
+            <a:r>
+              <a:rPr lang="en-US" altLang="zh-CN" b="1" i="0" dirty="0">
+                <a:solidFill>
+                  <a:srgbClr val="000000"/>
+                </a:solidFill>
+                <a:effectLst/>
+                <a:latin typeface="PingFang SC"/>
+              </a:rPr>
+              <a:t>2</a:t>
+            </a:r>
+            <a:r>
+              <a:rPr lang="zh-CN" altLang="en-US" b="1" i="0" dirty="0">
+                <a:solidFill>
+                  <a:srgbClr val="000000"/>
+                </a:solidFill>
+                <a:effectLst/>
+                <a:latin typeface="PingFang SC"/>
+              </a:rPr>
+              <a:t>、不可重复读：事务 </a:t>
+            </a:r>
+            <a:r>
+              <a:rPr lang="en-US" altLang="zh-CN" b="1" i="0" dirty="0">
+                <a:solidFill>
+                  <a:srgbClr val="000000"/>
+                </a:solidFill>
+                <a:effectLst/>
+                <a:latin typeface="PingFang SC"/>
+              </a:rPr>
+              <a:t>A </a:t>
+            </a:r>
+            <a:r>
+              <a:rPr lang="zh-CN" altLang="en-US" b="1" i="0" dirty="0">
+                <a:solidFill>
+                  <a:srgbClr val="000000"/>
+                </a:solidFill>
+                <a:effectLst/>
+                <a:latin typeface="PingFang SC"/>
+              </a:rPr>
+              <a:t>多次读取同一数据，事务 </a:t>
+            </a:r>
+            <a:r>
+              <a:rPr lang="en-US" altLang="zh-CN" b="1" i="0" dirty="0">
+                <a:solidFill>
+                  <a:srgbClr val="000000"/>
+                </a:solidFill>
+                <a:effectLst/>
+                <a:latin typeface="PingFang SC"/>
+              </a:rPr>
+              <a:t>B </a:t>
+            </a:r>
+            <a:r>
+              <a:rPr lang="zh-CN" altLang="en-US" b="1" i="0" dirty="0">
+                <a:solidFill>
+                  <a:srgbClr val="000000"/>
+                </a:solidFill>
+                <a:effectLst/>
+                <a:latin typeface="PingFang SC"/>
+              </a:rPr>
+              <a:t>在事务</a:t>
+            </a:r>
+            <a:r>
+              <a:rPr lang="en-US" altLang="zh-CN" b="1" i="0" dirty="0">
+                <a:solidFill>
+                  <a:srgbClr val="000000"/>
+                </a:solidFill>
+                <a:effectLst/>
+                <a:latin typeface="PingFang SC"/>
+              </a:rPr>
+              <a:t>A</a:t>
+            </a:r>
+            <a:r>
+              <a:rPr lang="zh-CN" altLang="en-US" b="1" i="0" dirty="0">
+                <a:solidFill>
+                  <a:srgbClr val="000000"/>
+                </a:solidFill>
+                <a:effectLst/>
+                <a:latin typeface="PingFang SC"/>
+              </a:rPr>
+              <a:t>多次读取的过程中，对数据作了更新并提交，导致事务</a:t>
+            </a:r>
+            <a:r>
+              <a:rPr lang="en-US" altLang="zh-CN" b="1" i="0" dirty="0">
+                <a:solidFill>
+                  <a:srgbClr val="000000"/>
+                </a:solidFill>
+                <a:effectLst/>
+                <a:latin typeface="PingFang SC"/>
+              </a:rPr>
+              <a:t>A</a:t>
+            </a:r>
+            <a:r>
+              <a:rPr lang="zh-CN" altLang="en-US" b="1" i="0" dirty="0">
+                <a:solidFill>
+                  <a:srgbClr val="000000"/>
+                </a:solidFill>
+                <a:effectLst/>
+                <a:latin typeface="PingFang SC"/>
+              </a:rPr>
+              <a:t>多次读取同一数据时，结果 不一致。</a:t>
+            </a:r>
+            <a:endParaRPr lang="zh-CN" altLang="en-US" b="0" i="0" dirty="0">
+              <a:solidFill>
+                <a:srgbClr val="333333"/>
+              </a:solidFill>
+              <a:effectLst/>
+              <a:latin typeface="PingFang SC"/>
+            </a:endParaRPr>
+          </a:p>
+          <a:p>
+            <a:pPr algn="l"/>
+            <a:r>
+              <a:rPr lang="zh-CN" altLang="en-US" b="1" i="0" dirty="0">
+                <a:solidFill>
+                  <a:srgbClr val="000000"/>
+                </a:solidFill>
+                <a:effectLst/>
+                <a:latin typeface="PingFang SC"/>
+              </a:rPr>
+              <a:t>　　</a:t>
+            </a:r>
+            <a:r>
+              <a:rPr lang="en-US" altLang="zh-CN" b="1" i="0" dirty="0">
+                <a:solidFill>
+                  <a:srgbClr val="000000"/>
+                </a:solidFill>
+                <a:effectLst/>
+                <a:latin typeface="PingFang SC"/>
+              </a:rPr>
+              <a:t>3</a:t>
+            </a:r>
+            <a:r>
+              <a:rPr lang="zh-CN" altLang="en-US" b="1" i="0" dirty="0">
+                <a:solidFill>
+                  <a:srgbClr val="000000"/>
+                </a:solidFill>
+                <a:effectLst/>
+                <a:latin typeface="PingFang SC"/>
+              </a:rPr>
+              <a:t>、虚读：系统管理员</a:t>
+            </a:r>
+            <a:r>
+              <a:rPr lang="en-US" altLang="zh-CN" b="1" i="0" dirty="0">
+                <a:solidFill>
+                  <a:srgbClr val="000000"/>
+                </a:solidFill>
+                <a:effectLst/>
+                <a:latin typeface="PingFang SC"/>
+              </a:rPr>
+              <a:t>A</a:t>
+            </a:r>
+            <a:r>
+              <a:rPr lang="zh-CN" altLang="en-US" b="1" i="0" dirty="0">
+                <a:solidFill>
+                  <a:srgbClr val="000000"/>
+                </a:solidFill>
+                <a:effectLst/>
+                <a:latin typeface="PingFang SC"/>
+              </a:rPr>
+              <a:t>将数据库中所有学生的成绩从具体分数改为</a:t>
+            </a:r>
+            <a:r>
+              <a:rPr lang="en-US" altLang="zh-CN" b="1" i="0" dirty="0">
+                <a:solidFill>
+                  <a:srgbClr val="000000"/>
+                </a:solidFill>
+                <a:effectLst/>
+                <a:latin typeface="PingFang SC"/>
+              </a:rPr>
+              <a:t>ABCDE</a:t>
+            </a:r>
+            <a:r>
+              <a:rPr lang="zh-CN" altLang="en-US" b="1" i="0" dirty="0">
+                <a:solidFill>
+                  <a:srgbClr val="000000"/>
+                </a:solidFill>
+                <a:effectLst/>
+                <a:latin typeface="PingFang SC"/>
+              </a:rPr>
+              <a:t>等级，但是系统管理员</a:t>
+            </a:r>
+            <a:r>
+              <a:rPr lang="en-US" altLang="zh-CN" b="1" i="0" dirty="0">
+                <a:solidFill>
+                  <a:srgbClr val="000000"/>
+                </a:solidFill>
+                <a:effectLst/>
+                <a:latin typeface="PingFang SC"/>
+              </a:rPr>
+              <a:t>B</a:t>
+            </a:r>
+            <a:r>
+              <a:rPr lang="zh-CN" altLang="en-US" b="1" i="0" dirty="0">
+                <a:solidFill>
+                  <a:srgbClr val="000000"/>
+                </a:solidFill>
+                <a:effectLst/>
+                <a:latin typeface="PingFang SC"/>
+              </a:rPr>
+              <a:t>就在这个时候插入了一条具体分数的记录，当系统管理员</a:t>
+            </a:r>
+            <a:r>
+              <a:rPr lang="en-US" altLang="zh-CN" b="1" i="0" dirty="0">
+                <a:solidFill>
+                  <a:srgbClr val="000000"/>
+                </a:solidFill>
+                <a:effectLst/>
+                <a:latin typeface="PingFang SC"/>
+              </a:rPr>
+              <a:t>A</a:t>
+            </a:r>
+            <a:r>
+              <a:rPr lang="zh-CN" altLang="en-US" b="1" i="0" dirty="0">
+                <a:solidFill>
+                  <a:srgbClr val="000000"/>
+                </a:solidFill>
+                <a:effectLst/>
+                <a:latin typeface="PingFang SC"/>
+              </a:rPr>
+              <a:t>改结束后发现还有一条记录没有改过来，就好像发生了幻觉一样，这就叫虚读。</a:t>
+            </a:r>
+            <a:endParaRPr lang="zh-CN" altLang="en-US" b="0" i="0" dirty="0">
+              <a:solidFill>
+                <a:srgbClr val="333333"/>
+              </a:solidFill>
+              <a:effectLst/>
+              <a:latin typeface="PingFang SC"/>
+            </a:endParaRPr>
+          </a:p>
+          <a:p>
+            <a:pPr algn="l"/>
+            <a:r>
+              <a:rPr lang="zh-CN" altLang="en-US" b="1" i="0" dirty="0">
+                <a:solidFill>
+                  <a:srgbClr val="000000"/>
+                </a:solidFill>
+                <a:effectLst/>
+                <a:latin typeface="PingFang SC"/>
+              </a:rPr>
+              <a:t>　　小结：不可重复读的和幻读很容易混淆，不可重复读侧重于</a:t>
+            </a:r>
+            <a:r>
+              <a:rPr lang="zh-CN" altLang="en-US" b="1" i="0" dirty="0">
+                <a:solidFill>
+                  <a:srgbClr val="FF0000"/>
+                </a:solidFill>
+                <a:effectLst/>
+                <a:latin typeface="PingFang SC"/>
+              </a:rPr>
+              <a:t>修改</a:t>
+            </a:r>
+            <a:r>
+              <a:rPr lang="zh-CN" altLang="en-US" b="1" i="0" dirty="0">
+                <a:solidFill>
+                  <a:srgbClr val="000000"/>
+                </a:solidFill>
+                <a:effectLst/>
+                <a:latin typeface="PingFang SC"/>
+              </a:rPr>
+              <a:t>，幻读侧重于</a:t>
+            </a:r>
+            <a:r>
+              <a:rPr lang="zh-CN" altLang="en-US" b="1" i="0" dirty="0">
+                <a:solidFill>
+                  <a:srgbClr val="FF0000"/>
+                </a:solidFill>
+                <a:effectLst/>
+                <a:latin typeface="PingFang SC"/>
+              </a:rPr>
+              <a:t>新增或删除</a:t>
+            </a:r>
+            <a:r>
+              <a:rPr lang="zh-CN" altLang="en-US" b="1" i="0" dirty="0">
+                <a:solidFill>
+                  <a:srgbClr val="000000"/>
+                </a:solidFill>
+                <a:effectLst/>
+                <a:latin typeface="PingFang SC"/>
+              </a:rPr>
+              <a:t>。解决不可重复读的问题只需</a:t>
+            </a:r>
+            <a:r>
+              <a:rPr lang="zh-CN" altLang="en-US" b="1" i="0" dirty="0">
+                <a:solidFill>
+                  <a:srgbClr val="FF0000"/>
+                </a:solidFill>
+                <a:effectLst/>
+                <a:latin typeface="PingFang SC"/>
+              </a:rPr>
+              <a:t>锁住满足条件的行</a:t>
+            </a:r>
+            <a:r>
+              <a:rPr lang="zh-CN" altLang="en-US" b="1" i="0" dirty="0">
+                <a:solidFill>
+                  <a:srgbClr val="000000"/>
+                </a:solidFill>
+                <a:effectLst/>
+                <a:latin typeface="PingFang SC"/>
+              </a:rPr>
+              <a:t>，解决幻读需要</a:t>
+            </a:r>
+            <a:r>
+              <a:rPr lang="zh-CN" altLang="en-US" b="1" i="0" dirty="0">
+                <a:solidFill>
+                  <a:srgbClr val="FF0000"/>
+                </a:solidFill>
+                <a:effectLst/>
+                <a:latin typeface="PingFang SC"/>
+              </a:rPr>
+              <a:t>锁表</a:t>
+            </a:r>
+            <a:endParaRPr lang="zh-CN" altLang="en-US" b="0" i="0" dirty="0">
+              <a:solidFill>
+                <a:srgbClr val="333333"/>
+              </a:solidFill>
+              <a:effectLst/>
+              <a:latin typeface="PingFang SC"/>
+            </a:endParaRPr>
+          </a:p>
+          <a:p>
             <a:endParaRPr lang="zh-CN" altLang="en-US" b="1" dirty="0"/>
           </a:p>
         </p:txBody>
@@ -2359,18 +3141,78 @@
           <a:lstStyle/>
           <a:p>
             <a:r>
-              <a:rPr lang="en-US" altLang="zh-CN" sz="1200" dirty="0"/>
-              <a:t>Repeatable </a:t>
-            </a:r>
-            <a:r>
-              <a:rPr lang="en-US" altLang="zh-CN" b="0" i="0" dirty="0" err="1">
-                <a:solidFill>
-                  <a:srgbClr val="333333"/>
-                </a:solidFill>
-                <a:effectLst/>
-                <a:latin typeface="Arial" panose="020B0604020202020204" pitchFamily="34" charset="0"/>
-              </a:rPr>
-              <a:t>rɪˈpiːtəbl</a:t>
+              <a:rPr lang="zh-CN" altLang="en-US" dirty="0"/>
+              <a:t>事例：老板要给程序员发工资，程序员的工资是</a:t>
+            </a:r>
+            <a:r>
+              <a:rPr lang="en-US" altLang="zh-CN" dirty="0"/>
+              <a:t>3.6</a:t>
+            </a:r>
+            <a:r>
+              <a:rPr lang="zh-CN" altLang="en-US" dirty="0"/>
+              <a:t>万</a:t>
+            </a:r>
+            <a:r>
+              <a:rPr lang="en-US" altLang="zh-CN" dirty="0"/>
+              <a:t>/</a:t>
+            </a:r>
+            <a:r>
+              <a:rPr lang="zh-CN" altLang="en-US" dirty="0"/>
+              <a:t>月。但是发工资时老板不小心按错了数字，按成</a:t>
+            </a:r>
+            <a:r>
+              <a:rPr lang="en-US" altLang="zh-CN" dirty="0"/>
+              <a:t>3.9</a:t>
+            </a:r>
+            <a:r>
+              <a:rPr lang="zh-CN" altLang="en-US" dirty="0"/>
+              <a:t>万</a:t>
+            </a:r>
+            <a:r>
+              <a:rPr lang="en-US" altLang="zh-CN" dirty="0"/>
+              <a:t>/</a:t>
+            </a:r>
+            <a:r>
+              <a:rPr lang="zh-CN" altLang="en-US" dirty="0"/>
+              <a:t>月，该钱已经打到程序员的户口，但是事务还没有提交，就在这时，程序员去查看自己这个月的工资，发现比往常多了</a:t>
+            </a:r>
+            <a:r>
+              <a:rPr lang="en-US" altLang="zh-CN" dirty="0"/>
+              <a:t>3</a:t>
+            </a:r>
+            <a:r>
+              <a:rPr lang="zh-CN" altLang="en-US" dirty="0"/>
+              <a:t>千元，以为涨工资了非常高兴。但是老板及时发现了不对，马上回滚差点就提交了的事务，将数字改成</a:t>
+            </a:r>
+            <a:r>
+              <a:rPr lang="en-US" altLang="zh-CN" dirty="0"/>
+              <a:t>3.6</a:t>
+            </a:r>
+            <a:r>
+              <a:rPr lang="zh-CN" altLang="en-US" dirty="0"/>
+              <a:t>万再提交。分析：实际程序员这个月的工资还是</a:t>
+            </a:r>
+            <a:r>
+              <a:rPr lang="en-US" altLang="zh-CN" dirty="0"/>
+              <a:t>3.6</a:t>
+            </a:r>
+            <a:r>
+              <a:rPr lang="zh-CN" altLang="en-US" dirty="0"/>
+              <a:t>万，但是程序员看到的是</a:t>
+            </a:r>
+            <a:r>
+              <a:rPr lang="en-US" altLang="zh-CN" dirty="0"/>
+              <a:t>3.9</a:t>
+            </a:r>
+            <a:r>
+              <a:rPr lang="zh-CN" altLang="en-US" dirty="0"/>
+              <a:t>万。他看到的是老板还没提交事务时的数据。这就是脏读。</a:t>
+            </a:r>
+          </a:p>
+          <a:p>
+            <a:r>
+              <a:rPr lang="en-US" altLang="zh-CN" dirty="0"/>
+              <a:t> </a:t>
             </a:r>
             <a:endParaRPr lang="zh-CN" altLang="en-US" dirty="0"/>
           </a:p>
@@ -2393,7 +3235,7 @@
           <a:p>
             <a:fld id="{F0643128-EF13-4FB5-B241-5B07803C2ACB}" type="slidenum">
               <a:rPr lang="zh-CN" altLang="en-US" smtClean="0"/>
-              <a:t>13</a:t>
+              <a:t>11</a:t>
             </a:fld>
             <a:endParaRPr lang="zh-CN" altLang="en-US"/>
           </a:p>
@@ -2402,7 +3244,7 @@
     </p:spTree>
     <p:extLst>
       <p:ext uri="{BB962C8B-B14F-4D97-AF65-F5344CB8AC3E}">
-        <p14:creationId xmlns:p14="http://schemas.microsoft.com/office/powerpoint/2010/main" val="3337790703"/>
+        <p14:creationId xmlns:p14="http://schemas.microsoft.com/office/powerpoint/2010/main" val="26576892"/>
       </p:ext>
     </p:extLst>
   </p:cSld>
@@ -2808,7 +3650,7 @@
           <a:p>
             <a:fld id="{D997B5FA-0921-464F-AAE1-844C04324D75}" type="datetimeFigureOut">
               <a:rPr lang="zh-CN" altLang="en-US" smtClean="0"/>
-              <a:t>2022/3/30</a:t>
+              <a:t>2022/3/31</a:t>
             </a:fld>
             <a:endParaRPr lang="zh-CN" altLang="en-US"/>
           </a:p>
@@ -2976,7 +3818,7 @@
           <a:p>
             <a:fld id="{D997B5FA-0921-464F-AAE1-844C04324D75}" type="datetimeFigureOut">
               <a:rPr lang="zh-CN" altLang="en-US" smtClean="0"/>
-              <a:t>2022/3/30</a:t>
+              <a:t>2022/3/31</a:t>
             </a:fld>
             <a:endParaRPr lang="zh-CN" altLang="en-US"/>
           </a:p>
@@ -3154,7 +3996,7 @@
           <a:p>
             <a:fld id="{D997B5FA-0921-464F-AAE1-844C04324D75}" type="datetimeFigureOut">
               <a:rPr lang="zh-CN" altLang="en-US" smtClean="0"/>
-              <a:t>2022/3/30</a:t>
+              <a:t>2022/3/31</a:t>
             </a:fld>
             <a:endParaRPr lang="zh-CN" altLang="en-US"/>
           </a:p>
@@ -4560,7 +5402,7 @@
           <a:p>
             <a:fld id="{D997B5FA-0921-464F-AAE1-844C04324D75}" type="datetimeFigureOut">
               <a:rPr lang="zh-CN" altLang="en-US" smtClean="0"/>
-              <a:t>2022/3/30</a:t>
+              <a:t>2022/3/31</a:t>
             </a:fld>
             <a:endParaRPr lang="zh-CN" altLang="en-US"/>
           </a:p>
@@ -4677,7 +5519,7 @@
           <a:p>
             <a:fld id="{D997B5FA-0921-464F-AAE1-844C04324D75}" type="datetimeFigureOut">
               <a:rPr lang="zh-CN" altLang="en-US" smtClean="0"/>
-              <a:t>2022/3/30</a:t>
+              <a:t>2022/3/31</a:t>
             </a:fld>
             <a:endParaRPr lang="zh-CN" altLang="en-US"/>
           </a:p>
@@ -4772,7 +5614,7 @@
           <a:p>
             <a:fld id="{D997B5FA-0921-464F-AAE1-844C04324D75}" type="datetimeFigureOut">
               <a:rPr lang="zh-CN" altLang="en-US" smtClean="0"/>
-              <a:t>2022/3/30</a:t>
+              <a:t>2022/3/31</a:t>
             </a:fld>
             <a:endParaRPr lang="zh-CN" altLang="en-US"/>
           </a:p>
@@ -5047,7 +5889,7 @@
           <a:p>
             <a:fld id="{D997B5FA-0921-464F-AAE1-844C04324D75}" type="datetimeFigureOut">
               <a:rPr lang="zh-CN" altLang="en-US" smtClean="0"/>
-              <a:t>2022/3/30</a:t>
+              <a:t>2022/3/31</a:t>
             </a:fld>
             <a:endParaRPr lang="zh-CN" altLang="en-US"/>
           </a:p>
@@ -5258,7 +6100,7 @@
           <a:p>
             <a:fld id="{D997B5FA-0921-464F-AAE1-844C04324D75}" type="datetimeFigureOut">
               <a:rPr lang="zh-CN" altLang="en-US" smtClean="0"/>
-              <a:t>2022/3/30</a:t>
+              <a:t>2022/3/31</a:t>
             </a:fld>
             <a:endParaRPr lang="zh-CN" altLang="en-US"/>
           </a:p>
@@ -9565,7 +10407,7 @@
           <p:nvPr/>
         </p:nvPicPr>
         <p:blipFill>
-          <a:blip r:embed="rId2">
+          <a:blip r:embed="rId3">
             <a:extLst>
               <a:ext uri="{28A0092B-C50C-407E-A947-70E740481C1C}">
                 <a14:useLocalDpi xmlns:a14="http://schemas.microsoft.com/office/drawing/2010/main" val="0"/>
@@ -10247,7 +11089,7 @@
           <p:nvPr/>
         </p:nvPicPr>
         <p:blipFill>
-          <a:blip r:embed="rId2">
+          <a:blip r:embed="rId3">
             <a:extLst>
               <a:ext uri="{28A0092B-C50C-407E-A947-70E740481C1C}">
                 <a14:useLocalDpi xmlns:a14="http://schemas.microsoft.com/office/drawing/2010/main" val="0"/>
@@ -11684,42 +12526,6 @@
           </a:p>
         </p:txBody>
       </p:sp>
-      <p:pic>
-        <p:nvPicPr>
-          <p:cNvPr id="10" name="图片 9">
-            <a:extLst>
-              <a:ext uri="{FF2B5EF4-FFF2-40B4-BE49-F238E27FC236}">
-                <a16:creationId xmlns:a16="http://schemas.microsoft.com/office/drawing/2014/main" id="{BA1D6953-4E32-408D-AAD1-8B8FD611B35E}"/>
-              </a:ext>
-            </a:extLst>
-          </p:cNvPr>
-          <p:cNvPicPr>
-            <a:picLocks noChangeAspect="1"/>
-          </p:cNvPicPr>
-          <p:nvPr/>
-        </p:nvPicPr>
-        <p:blipFill>
-          <a:blip r:embed="rId3">
-            <a:extLst>
-              <a:ext uri="{28A0092B-C50C-407E-A947-70E740481C1C}">
-                <a14:useLocalDpi xmlns:a14="http://schemas.microsoft.com/office/drawing/2010/main" val="0"/>
-              </a:ext>
-            </a:extLst>
-          </a:blip>
-          <a:stretch>
-            <a:fillRect/>
-          </a:stretch>
-        </p:blipFill>
-        <p:spPr>
-          <a:xfrm>
-            <a:off x="2693894" y="2785542"/>
-            <a:ext cx="6804212" cy="3913828"/>
-          </a:xfrm>
-          <a:prstGeom prst="rect">
-            <a:avLst/>
-          </a:prstGeom>
-        </p:spPr>
-      </p:pic>
       <p:sp>
         <p:nvSpPr>
           <p:cNvPr id="7" name="文本框 6">
@@ -11759,6 +12565,36 @@
           </a:p>
         </p:txBody>
       </p:sp>
+      <p:pic>
+        <p:nvPicPr>
+          <p:cNvPr id="5" name="图片 4">
+            <a:extLst>
+              <a:ext uri="{FF2B5EF4-FFF2-40B4-BE49-F238E27FC236}">
+                <a16:creationId xmlns:a16="http://schemas.microsoft.com/office/drawing/2014/main" id="{72901BF1-D595-4414-BDF8-AD84DDEE4381}"/>
+              </a:ext>
+            </a:extLst>
+          </p:cNvPr>
+          <p:cNvPicPr>
+            <a:picLocks noChangeAspect="1"/>
+          </p:cNvPicPr>
+          <p:nvPr/>
+        </p:nvPicPr>
+        <p:blipFill>
+          <a:blip r:embed="rId3"/>
+          <a:stretch>
+            <a:fillRect/>
+          </a:stretch>
+        </p:blipFill>
+        <p:spPr>
+          <a:xfrm>
+            <a:off x="1398495" y="2961441"/>
+            <a:ext cx="9215716" cy="3249987"/>
+          </a:xfrm>
+          <a:prstGeom prst="rect">
+            <a:avLst/>
+          </a:prstGeom>
+        </p:spPr>
+      </p:pic>
     </p:spTree>
     <p:extLst>
       <p:ext uri="{BB962C8B-B14F-4D97-AF65-F5344CB8AC3E}">
@@ -12051,7 +12887,7 @@
                             </p:stCondLst>
                             <p:childTnLst>
                               <p:par>
-                                <p:cTn id="22" presetID="45" presetClass="entr" presetSubtype="0" fill="hold" nodeType="clickEffect">
+                                <p:cTn id="22" presetID="16" presetClass="entr" presetSubtype="21" fill="hold" nodeType="clickEffect">
                                   <p:stCondLst>
                                     <p:cond delay="0"/>
                                   </p:stCondLst>
@@ -12059,105 +12895,6 @@
                                     <p:set>
                                       <p:cBhvr>
                                         <p:cTn id="23" dur="1" fill="hold">
-                                          <p:stCondLst>
-                                            <p:cond delay="0"/>
-                                          </p:stCondLst>
-                                        </p:cTn>
-                                        <p:tgtEl>
-                                          <p:spTgt spid="10"/>
-                                        </p:tgtEl>
-                                        <p:attrNameLst>
-                                          <p:attrName>style.visibility</p:attrName>
-                                        </p:attrNameLst>
-                                      </p:cBhvr>
-                                      <p:to>
-                                        <p:strVal val="visible"/>
-                                      </p:to>
-                                    </p:set>
-                                    <p:animEffect transition="in" filter="fade">
-                                      <p:cBhvr>
-                                        <p:cTn id="24" dur="2000"/>
-                                        <p:tgtEl>
-                                          <p:spTgt spid="10"/>
-                                        </p:tgtEl>
-                                      </p:cBhvr>
-                                    </p:animEffect>
-                                    <p:anim calcmode="lin" valueType="num">
-                                      <p:cBhvr>
-                                        <p:cTn id="25" dur="2000" fill="hold"/>
-                                        <p:tgtEl>
-                                          <p:spTgt spid="10"/>
-                                        </p:tgtEl>
-                                        <p:attrNameLst>
-                                          <p:attrName>ppt_w</p:attrName>
-                                        </p:attrNameLst>
-                                      </p:cBhvr>
-                                      <p:tavLst>
-                                        <p:tav tm="0" fmla="#ppt_w*sin(2.5*pi*$)">
-                                          <p:val>
-                                            <p:fltVal val="0"/>
-                                          </p:val>
-                                        </p:tav>
-                                        <p:tav tm="100000">
-                                          <p:val>
-                                            <p:fltVal val="1"/>
-                                          </p:val>
-                                        </p:tav>
-                                      </p:tavLst>
-                                    </p:anim>
-                                    <p:anim calcmode="lin" valueType="num">
-                                      <p:cBhvr>
-                                        <p:cTn id="26" dur="2000" fill="hold"/>
-                                        <p:tgtEl>
-                                          <p:spTgt spid="10"/>
-                                        </p:tgtEl>
-                                        <p:attrNameLst>
-                                          <p:attrName>ppt_h</p:attrName>
-                                        </p:attrNameLst>
-                                      </p:cBhvr>
-                                      <p:tavLst>
-                                        <p:tav tm="0">
-                                          <p:val>
-                                            <p:strVal val="#ppt_h"/>
-                                          </p:val>
-                                        </p:tav>
-                                        <p:tav tm="100000">
-                                          <p:val>
-                                            <p:strVal val="#ppt_h"/>
-                                          </p:val>
-                                        </p:tav>
-                                      </p:tavLst>
-                                    </p:anim>
-                                  </p:childTnLst>
-                                </p:cTn>
-                              </p:par>
-                            </p:childTnLst>
-                          </p:cTn>
-                        </p:par>
-                      </p:childTnLst>
-                    </p:cTn>
-                  </p:par>
-                  <p:par>
-                    <p:cTn id="27" fill="hold">
-                      <p:stCondLst>
-                        <p:cond delay="indefinite"/>
-                      </p:stCondLst>
-                      <p:childTnLst>
-                        <p:par>
-                          <p:cTn id="28" fill="hold">
-                            <p:stCondLst>
-                              <p:cond delay="0"/>
-                            </p:stCondLst>
-                            <p:childTnLst>
-                              <p:par>
-                                <p:cTn id="29" presetID="16" presetClass="entr" presetSubtype="21" fill="hold" nodeType="clickEffect">
-                                  <p:stCondLst>
-                                    <p:cond delay="0"/>
-                                  </p:stCondLst>
-                                  <p:childTnLst>
-                                    <p:set>
-                                      <p:cBhvr>
-                                        <p:cTn id="30" dur="1" fill="hold">
                                           <p:stCondLst>
                                             <p:cond delay="0"/>
                                           </p:stCondLst>
@@ -12179,7 +12916,7 @@
                                     </p:set>
                                     <p:animEffect transition="in" filter="barn(inVertical)">
                                       <p:cBhvr>
-                                        <p:cTn id="31" dur="500"/>
+                                        <p:cTn id="24" dur="500"/>
                                         <p:tgtEl>
                                           <p:spTgt spid="7">
                                             <p:txEl>
